--- a/OPAR/WORKSPACE/WIP Target Folders/OPARTGT057_Chemical_Storage_Bunkers.pptx
+++ b/OPAR/WORKSPACE/WIP Target Folders/OPARTGT057_Chemical_Storage_Bunkers.pptx
@@ -107,6 +107,22 @@
       </a:defRPr>
     </a:lvl9pPr>
   </p:defaultTextStyle>
+  <p:extLst>
+    <p:ext uri="{EFAFB233-063F-42B5-8137-9DF3F51BA10A}">
+      <p15:sldGuideLst xmlns:p15="http://schemas.microsoft.com/office/powerpoint/2012/main">
+        <p15:guide id="1" orient="horz" pos="1620">
+          <p15:clr>
+            <a:srgbClr val="A4A3A4"/>
+          </p15:clr>
+        </p15:guide>
+        <p15:guide id="2" pos="2880">
+          <p15:clr>
+            <a:srgbClr val="A4A3A4"/>
+          </p15:clr>
+        </p15:guide>
+      </p15:sldGuideLst>
+    </p:ext>
+  </p:extLst>
 </p:presentation>
 </file>
 
@@ -193,7 +209,7 @@
             <a:fld id="{40637A30-8EE1-4060-9976-8832FC89EE34}" type="datetimeFigureOut">
               <a:rPr lang="nb-NO" smtClean="0"/>
               <a:pPr/>
-              <a:t>30.11.2020</a:t>
+              <a:t>08.12.2020</a:t>
             </a:fld>
             <a:endParaRPr lang="nb-NO"/>
           </a:p>
@@ -259,38 +275,37 @@
           <a:p>
             <a:pPr lvl="0"/>
             <a:r>
-              <a:rPr lang="nb-NO" smtClean="0"/>
+              <a:rPr lang="nb-NO"/>
               <a:t>Klikk for å redigere tekststiler i malen</a:t>
             </a:r>
           </a:p>
           <a:p>
             <a:pPr lvl="1"/>
             <a:r>
-              <a:rPr lang="nb-NO" smtClean="0"/>
+              <a:rPr lang="nb-NO"/>
               <a:t>Andre nivå</a:t>
             </a:r>
           </a:p>
           <a:p>
             <a:pPr lvl="2"/>
             <a:r>
-              <a:rPr lang="nb-NO" smtClean="0"/>
+              <a:rPr lang="nb-NO"/>
               <a:t>Tredje nivå</a:t>
             </a:r>
           </a:p>
           <a:p>
             <a:pPr lvl="3"/>
             <a:r>
-              <a:rPr lang="nb-NO" smtClean="0"/>
+              <a:rPr lang="nb-NO"/>
               <a:t>Fjerde nivå</a:t>
             </a:r>
           </a:p>
           <a:p>
             <a:pPr lvl="4"/>
             <a:r>
-              <a:rPr lang="nb-NO" smtClean="0"/>
+              <a:rPr lang="nb-NO"/>
               <a:t>Femte nivå</a:t>
             </a:r>
-            <a:endParaRPr lang="nb-NO"/>
           </a:p>
         </p:txBody>
       </p:sp>
@@ -497,10 +512,9 @@
           <a:lstStyle/>
           <a:p>
             <a:r>
-              <a:rPr lang="nb-NO" smtClean="0"/>
+              <a:rPr lang="nb-NO"/>
               <a:t>Klikk for å redigere tittelstil</a:t>
             </a:r>
-            <a:endParaRPr lang="nb-NO"/>
           </a:p>
         </p:txBody>
       </p:sp>
@@ -616,10 +630,9 @@
           </a:lstStyle>
           <a:p>
             <a:r>
-              <a:rPr lang="nb-NO" smtClean="0"/>
+              <a:rPr lang="nb-NO"/>
               <a:t>Klikk for å redigere undertittelstil i malen</a:t>
             </a:r>
-            <a:endParaRPr lang="nb-NO"/>
           </a:p>
         </p:txBody>
       </p:sp>
@@ -759,10 +772,9 @@
           </a:lstStyle>
           <a:p>
             <a:r>
-              <a:rPr lang="nb-NO" smtClean="0"/>
+              <a:rPr lang="nb-NO"/>
               <a:t>Klikk for å redigere tittelstil</a:t>
             </a:r>
-            <a:endParaRPr lang="nb-NO"/>
           </a:p>
         </p:txBody>
       </p:sp>
@@ -886,7 +898,7 @@
           <a:p>
             <a:pPr lvl="0"/>
             <a:r>
-              <a:rPr lang="nb-NO" smtClean="0"/>
+              <a:rPr lang="nb-NO"/>
               <a:t>Klikk for å redigere tekststiler i malen</a:t>
             </a:r>
           </a:p>
@@ -1019,10 +1031,9 @@
           <a:lstStyle/>
           <a:p>
             <a:r>
-              <a:rPr lang="nb-NO" smtClean="0"/>
+              <a:rPr lang="nb-NO"/>
               <a:t>Klikk for å redigere tittelstil</a:t>
             </a:r>
-            <a:endParaRPr lang="nb-NO"/>
           </a:p>
         </p:txBody>
       </p:sp>
@@ -1043,38 +1054,37 @@
           <a:p>
             <a:pPr lvl="0"/>
             <a:r>
-              <a:rPr lang="nb-NO" smtClean="0"/>
+              <a:rPr lang="nb-NO"/>
               <a:t>Klikk for å redigere tekststiler i malen</a:t>
             </a:r>
           </a:p>
           <a:p>
             <a:pPr lvl="1"/>
             <a:r>
-              <a:rPr lang="nb-NO" smtClean="0"/>
+              <a:rPr lang="nb-NO"/>
               <a:t>Andre nivå</a:t>
             </a:r>
           </a:p>
           <a:p>
             <a:pPr lvl="2"/>
             <a:r>
-              <a:rPr lang="nb-NO" smtClean="0"/>
+              <a:rPr lang="nb-NO"/>
               <a:t>Tredje nivå</a:t>
             </a:r>
           </a:p>
           <a:p>
             <a:pPr lvl="3"/>
             <a:r>
-              <a:rPr lang="nb-NO" smtClean="0"/>
+              <a:rPr lang="nb-NO"/>
               <a:t>Fjerde nivå</a:t>
             </a:r>
           </a:p>
           <a:p>
             <a:pPr lvl="4"/>
             <a:r>
-              <a:rPr lang="nb-NO" smtClean="0"/>
+              <a:rPr lang="nb-NO"/>
               <a:t>Femte nivå</a:t>
             </a:r>
-            <a:endParaRPr lang="nb-NO"/>
           </a:p>
         </p:txBody>
       </p:sp>
@@ -1210,10 +1220,9 @@
           <a:lstStyle/>
           <a:p>
             <a:r>
-              <a:rPr lang="nb-NO" smtClean="0"/>
+              <a:rPr lang="nb-NO"/>
               <a:t>Klikk for å redigere tittelstil</a:t>
             </a:r>
-            <a:endParaRPr lang="nb-NO"/>
           </a:p>
         </p:txBody>
       </p:sp>
@@ -1239,38 +1248,37 @@
           <a:p>
             <a:pPr lvl="0"/>
             <a:r>
-              <a:rPr lang="nb-NO" smtClean="0"/>
+              <a:rPr lang="nb-NO"/>
               <a:t>Klikk for å redigere tekststiler i malen</a:t>
             </a:r>
           </a:p>
           <a:p>
             <a:pPr lvl="1"/>
             <a:r>
-              <a:rPr lang="nb-NO" smtClean="0"/>
+              <a:rPr lang="nb-NO"/>
               <a:t>Andre nivå</a:t>
             </a:r>
           </a:p>
           <a:p>
             <a:pPr lvl="2"/>
             <a:r>
-              <a:rPr lang="nb-NO" smtClean="0"/>
+              <a:rPr lang="nb-NO"/>
               <a:t>Tredje nivå</a:t>
             </a:r>
           </a:p>
           <a:p>
             <a:pPr lvl="3"/>
             <a:r>
-              <a:rPr lang="nb-NO" smtClean="0"/>
+              <a:rPr lang="nb-NO"/>
               <a:t>Fjerde nivå</a:t>
             </a:r>
           </a:p>
           <a:p>
             <a:pPr lvl="4"/>
             <a:r>
-              <a:rPr lang="nb-NO" smtClean="0"/>
+              <a:rPr lang="nb-NO"/>
               <a:t>Femte nivå</a:t>
             </a:r>
-            <a:endParaRPr lang="nb-NO"/>
           </a:p>
         </p:txBody>
       </p:sp>
@@ -1410,10 +1418,9 @@
           </a:lstStyle>
           <a:p>
             <a:r>
-              <a:rPr lang="nb-NO" dirty="0" smtClean="0"/>
+              <a:rPr lang="nb-NO" dirty="0"/>
               <a:t>Klikk for å redigere tittelstil</a:t>
             </a:r>
-            <a:endParaRPr lang="nb-NO" dirty="0"/>
           </a:p>
         </p:txBody>
       </p:sp>
@@ -1463,10 +1470,9 @@
           <a:lstStyle/>
           <a:p>
             <a:r>
-              <a:rPr lang="nb-NO" smtClean="0"/>
+              <a:rPr lang="nb-NO"/>
               <a:t>Klikk for å redigere tittelstil</a:t>
             </a:r>
-            <a:endParaRPr lang="nb-NO"/>
           </a:p>
         </p:txBody>
       </p:sp>
@@ -1492,38 +1498,37 @@
           <a:p>
             <a:pPr lvl="0"/>
             <a:r>
-              <a:rPr lang="nb-NO" smtClean="0"/>
+              <a:rPr lang="nb-NO"/>
               <a:t>Klikk for å redigere tekststiler i malen</a:t>
             </a:r>
           </a:p>
           <a:p>
             <a:pPr lvl="1"/>
             <a:r>
-              <a:rPr lang="nb-NO" smtClean="0"/>
+              <a:rPr lang="nb-NO"/>
               <a:t>Andre nivå</a:t>
             </a:r>
           </a:p>
           <a:p>
             <a:pPr lvl="2"/>
             <a:r>
-              <a:rPr lang="nb-NO" smtClean="0"/>
+              <a:rPr lang="nb-NO"/>
               <a:t>Tredje nivå</a:t>
             </a:r>
           </a:p>
           <a:p>
             <a:pPr lvl="3"/>
             <a:r>
-              <a:rPr lang="nb-NO" smtClean="0"/>
+              <a:rPr lang="nb-NO"/>
               <a:t>Fjerde nivå</a:t>
             </a:r>
           </a:p>
           <a:p>
             <a:pPr lvl="4"/>
             <a:r>
-              <a:rPr lang="nb-NO" smtClean="0"/>
+              <a:rPr lang="nb-NO"/>
               <a:t>Femte nivå</a:t>
             </a:r>
-            <a:endParaRPr lang="nb-NO"/>
           </a:p>
         </p:txBody>
       </p:sp>
@@ -1577,10 +1582,9 @@
           </a:lstStyle>
           <a:p>
             <a:r>
-              <a:rPr lang="nb-NO" smtClean="0"/>
+              <a:rPr lang="nb-NO"/>
               <a:t>Klikk for å redigere tittelstil</a:t>
             </a:r>
-            <a:endParaRPr lang="nb-NO"/>
           </a:p>
         </p:txBody>
       </p:sp>
@@ -1697,7 +1701,7 @@
           <a:p>
             <a:pPr lvl="0"/>
             <a:r>
-              <a:rPr lang="nb-NO" smtClean="0"/>
+              <a:rPr lang="nb-NO"/>
               <a:t>Klikk for å redigere tekststiler i malen</a:t>
             </a:r>
           </a:p>
@@ -1830,10 +1834,9 @@
           <a:lstStyle/>
           <a:p>
             <a:r>
-              <a:rPr lang="nb-NO" smtClean="0"/>
+              <a:rPr lang="nb-NO"/>
               <a:t>Klikk for å redigere tittelstil</a:t>
             </a:r>
-            <a:endParaRPr lang="nb-NO"/>
           </a:p>
         </p:txBody>
       </p:sp>
@@ -1887,38 +1890,37 @@
           <a:p>
             <a:pPr lvl="0"/>
             <a:r>
-              <a:rPr lang="nb-NO" smtClean="0"/>
+              <a:rPr lang="nb-NO"/>
               <a:t>Klikk for å redigere tekststiler i malen</a:t>
             </a:r>
           </a:p>
           <a:p>
             <a:pPr lvl="1"/>
             <a:r>
-              <a:rPr lang="nb-NO" smtClean="0"/>
+              <a:rPr lang="nb-NO"/>
               <a:t>Andre nivå</a:t>
             </a:r>
           </a:p>
           <a:p>
             <a:pPr lvl="2"/>
             <a:r>
-              <a:rPr lang="nb-NO" smtClean="0"/>
+              <a:rPr lang="nb-NO"/>
               <a:t>Tredje nivå</a:t>
             </a:r>
           </a:p>
           <a:p>
             <a:pPr lvl="3"/>
             <a:r>
-              <a:rPr lang="nb-NO" smtClean="0"/>
+              <a:rPr lang="nb-NO"/>
               <a:t>Fjerde nivå</a:t>
             </a:r>
           </a:p>
           <a:p>
             <a:pPr lvl="4"/>
             <a:r>
-              <a:rPr lang="nb-NO" smtClean="0"/>
+              <a:rPr lang="nb-NO"/>
               <a:t>Femte nivå</a:t>
             </a:r>
-            <a:endParaRPr lang="nb-NO"/>
           </a:p>
         </p:txBody>
       </p:sp>
@@ -1972,38 +1974,37 @@
           <a:p>
             <a:pPr lvl="0"/>
             <a:r>
-              <a:rPr lang="nb-NO" smtClean="0"/>
+              <a:rPr lang="nb-NO"/>
               <a:t>Klikk for å redigere tekststiler i malen</a:t>
             </a:r>
           </a:p>
           <a:p>
             <a:pPr lvl="1"/>
             <a:r>
-              <a:rPr lang="nb-NO" smtClean="0"/>
+              <a:rPr lang="nb-NO"/>
               <a:t>Andre nivå</a:t>
             </a:r>
           </a:p>
           <a:p>
             <a:pPr lvl="2"/>
             <a:r>
-              <a:rPr lang="nb-NO" smtClean="0"/>
+              <a:rPr lang="nb-NO"/>
               <a:t>Tredje nivå</a:t>
             </a:r>
           </a:p>
           <a:p>
             <a:pPr lvl="3"/>
             <a:r>
-              <a:rPr lang="nb-NO" smtClean="0"/>
+              <a:rPr lang="nb-NO"/>
               <a:t>Fjerde nivå</a:t>
             </a:r>
           </a:p>
           <a:p>
             <a:pPr lvl="4"/>
             <a:r>
-              <a:rPr lang="nb-NO" smtClean="0"/>
+              <a:rPr lang="nb-NO"/>
               <a:t>Femte nivå</a:t>
             </a:r>
-            <a:endParaRPr lang="nb-NO"/>
           </a:p>
         </p:txBody>
       </p:sp>
@@ -2138,10 +2139,9 @@
           </a:lstStyle>
           <a:p>
             <a:r>
-              <a:rPr lang="nb-NO" smtClean="0"/>
+              <a:rPr lang="nb-NO"/>
               <a:t>Klikk for å redigere tittelstil</a:t>
             </a:r>
-            <a:endParaRPr lang="nb-NO"/>
           </a:p>
         </p:txBody>
       </p:sp>
@@ -2204,7 +2204,7 @@
           <a:p>
             <a:pPr lvl="0"/>
             <a:r>
-              <a:rPr lang="nb-NO" smtClean="0"/>
+              <a:rPr lang="nb-NO"/>
               <a:t>Klikk for å redigere tekststiler i malen</a:t>
             </a:r>
           </a:p>
@@ -2260,38 +2260,37 @@
           <a:p>
             <a:pPr lvl="0"/>
             <a:r>
-              <a:rPr lang="nb-NO" smtClean="0"/>
+              <a:rPr lang="nb-NO"/>
               <a:t>Klikk for å redigere tekststiler i malen</a:t>
             </a:r>
           </a:p>
           <a:p>
             <a:pPr lvl="1"/>
             <a:r>
-              <a:rPr lang="nb-NO" smtClean="0"/>
+              <a:rPr lang="nb-NO"/>
               <a:t>Andre nivå</a:t>
             </a:r>
           </a:p>
           <a:p>
             <a:pPr lvl="2"/>
             <a:r>
-              <a:rPr lang="nb-NO" smtClean="0"/>
+              <a:rPr lang="nb-NO"/>
               <a:t>Tredje nivå</a:t>
             </a:r>
           </a:p>
           <a:p>
             <a:pPr lvl="3"/>
             <a:r>
-              <a:rPr lang="nb-NO" smtClean="0"/>
+              <a:rPr lang="nb-NO"/>
               <a:t>Fjerde nivå</a:t>
             </a:r>
           </a:p>
           <a:p>
             <a:pPr lvl="4"/>
             <a:r>
-              <a:rPr lang="nb-NO" smtClean="0"/>
+              <a:rPr lang="nb-NO"/>
               <a:t>Femte nivå</a:t>
             </a:r>
-            <a:endParaRPr lang="nb-NO"/>
           </a:p>
         </p:txBody>
       </p:sp>
@@ -2354,7 +2353,7 @@
           <a:p>
             <a:pPr lvl="0"/>
             <a:r>
-              <a:rPr lang="nb-NO" smtClean="0"/>
+              <a:rPr lang="nb-NO"/>
               <a:t>Klikk for å redigere tekststiler i malen</a:t>
             </a:r>
           </a:p>
@@ -2410,38 +2409,37 @@
           <a:p>
             <a:pPr lvl="0"/>
             <a:r>
-              <a:rPr lang="nb-NO" smtClean="0"/>
+              <a:rPr lang="nb-NO"/>
               <a:t>Klikk for å redigere tekststiler i malen</a:t>
             </a:r>
           </a:p>
           <a:p>
             <a:pPr lvl="1"/>
             <a:r>
-              <a:rPr lang="nb-NO" smtClean="0"/>
+              <a:rPr lang="nb-NO"/>
               <a:t>Andre nivå</a:t>
             </a:r>
           </a:p>
           <a:p>
             <a:pPr lvl="2"/>
             <a:r>
-              <a:rPr lang="nb-NO" smtClean="0"/>
+              <a:rPr lang="nb-NO"/>
               <a:t>Tredje nivå</a:t>
             </a:r>
           </a:p>
           <a:p>
             <a:pPr lvl="3"/>
             <a:r>
-              <a:rPr lang="nb-NO" smtClean="0"/>
+              <a:rPr lang="nb-NO"/>
               <a:t>Fjerde nivå</a:t>
             </a:r>
           </a:p>
           <a:p>
             <a:pPr lvl="4"/>
             <a:r>
-              <a:rPr lang="nb-NO" smtClean="0"/>
+              <a:rPr lang="nb-NO"/>
               <a:t>Femte nivå</a:t>
             </a:r>
-            <a:endParaRPr lang="nb-NO"/>
           </a:p>
         </p:txBody>
       </p:sp>
@@ -2572,10 +2570,9 @@
           <a:lstStyle/>
           <a:p>
             <a:r>
-              <a:rPr lang="nb-NO" smtClean="0"/>
+              <a:rPr lang="nb-NO"/>
               <a:t>Klikk for å redigere tittelstil</a:t>
             </a:r>
-            <a:endParaRPr lang="nb-NO"/>
           </a:p>
         </p:txBody>
       </p:sp>
@@ -2830,10 +2827,9 @@
           </a:lstStyle>
           <a:p>
             <a:r>
-              <a:rPr lang="nb-NO" smtClean="0"/>
+              <a:rPr lang="nb-NO"/>
               <a:t>Klikk for å redigere tittelstil</a:t>
             </a:r>
-            <a:endParaRPr lang="nb-NO"/>
           </a:p>
         </p:txBody>
       </p:sp>
@@ -2887,38 +2883,37 @@
           <a:p>
             <a:pPr lvl="0"/>
             <a:r>
-              <a:rPr lang="nb-NO" smtClean="0"/>
+              <a:rPr lang="nb-NO"/>
               <a:t>Klikk for å redigere tekststiler i malen</a:t>
             </a:r>
           </a:p>
           <a:p>
             <a:pPr lvl="1"/>
             <a:r>
-              <a:rPr lang="nb-NO" smtClean="0"/>
+              <a:rPr lang="nb-NO"/>
               <a:t>Andre nivå</a:t>
             </a:r>
           </a:p>
           <a:p>
             <a:pPr lvl="2"/>
             <a:r>
-              <a:rPr lang="nb-NO" smtClean="0"/>
+              <a:rPr lang="nb-NO"/>
               <a:t>Tredje nivå</a:t>
             </a:r>
           </a:p>
           <a:p>
             <a:pPr lvl="3"/>
             <a:r>
-              <a:rPr lang="nb-NO" smtClean="0"/>
+              <a:rPr lang="nb-NO"/>
               <a:t>Fjerde nivå</a:t>
             </a:r>
           </a:p>
           <a:p>
             <a:pPr lvl="4"/>
             <a:r>
-              <a:rPr lang="nb-NO" smtClean="0"/>
+              <a:rPr lang="nb-NO"/>
               <a:t>Femte nivå</a:t>
             </a:r>
-            <a:endParaRPr lang="nb-NO"/>
           </a:p>
         </p:txBody>
       </p:sp>
@@ -2981,7 +2976,7 @@
           <a:p>
             <a:pPr lvl="0"/>
             <a:r>
-              <a:rPr lang="nb-NO" smtClean="0"/>
+              <a:rPr lang="nb-NO"/>
               <a:t>Klikk for å redigere tekststiler i malen</a:t>
             </a:r>
           </a:p>
@@ -3134,10 +3129,9 @@
           <a:lstStyle/>
           <a:p>
             <a:r>
-              <a:rPr lang="nb-NO" dirty="0" smtClean="0"/>
+              <a:rPr lang="nb-NO" dirty="0"/>
               <a:t>Klikk for å redigere tittelstil</a:t>
             </a:r>
-            <a:endParaRPr lang="nb-NO" dirty="0"/>
           </a:p>
         </p:txBody>
       </p:sp>
@@ -3168,38 +3162,37 @@
           <a:p>
             <a:pPr lvl="0"/>
             <a:r>
-              <a:rPr lang="nb-NO" dirty="0" smtClean="0"/>
+              <a:rPr lang="nb-NO" dirty="0"/>
               <a:t>Klikk for å redigere tekststiler i malen</a:t>
             </a:r>
           </a:p>
           <a:p>
             <a:pPr lvl="1"/>
             <a:r>
-              <a:rPr lang="nb-NO" dirty="0" smtClean="0"/>
+              <a:rPr lang="nb-NO" dirty="0"/>
               <a:t>Andre nivå</a:t>
             </a:r>
           </a:p>
           <a:p>
             <a:pPr lvl="2"/>
             <a:r>
-              <a:rPr lang="nb-NO" dirty="0" smtClean="0"/>
+              <a:rPr lang="nb-NO" dirty="0"/>
               <a:t>Tredje nivå</a:t>
             </a:r>
           </a:p>
           <a:p>
             <a:pPr lvl="3"/>
             <a:r>
-              <a:rPr lang="nb-NO" dirty="0" smtClean="0"/>
+              <a:rPr lang="nb-NO" dirty="0"/>
               <a:t>Fjerde nivå</a:t>
             </a:r>
           </a:p>
           <a:p>
             <a:pPr lvl="4"/>
             <a:r>
-              <a:rPr lang="nb-NO" dirty="0" smtClean="0"/>
+              <a:rPr lang="nb-NO" dirty="0"/>
               <a:t>Femte nivå</a:t>
             </a:r>
-            <a:endParaRPr lang="nb-NO" dirty="0"/>
           </a:p>
         </p:txBody>
       </p:sp>
@@ -3352,7 +3345,7 @@
           <a:lstStyle/>
           <a:p>
             <a:r>
-              <a:rPr lang="nb-NO" sz="1000" b="0" dirty="0" err="1" smtClean="0">
+              <a:rPr lang="nb-NO" sz="1000" b="0" dirty="0" err="1">
                 <a:solidFill>
                   <a:schemeClr val="tx1"/>
                 </a:solidFill>
@@ -3362,7 +3355,7 @@
               <a:t>Virtual</a:t>
             </a:r>
             <a:r>
-              <a:rPr lang="nb-NO" sz="1000" b="0" dirty="0" smtClean="0">
+              <a:rPr lang="nb-NO" sz="1000" b="0" dirty="0">
                 <a:solidFill>
                   <a:schemeClr val="tx1"/>
                 </a:solidFill>
@@ -3372,7 +3365,7 @@
               <a:t> </a:t>
             </a:r>
             <a:r>
-              <a:rPr lang="nb-NO" sz="1000" b="0" dirty="0" err="1" smtClean="0">
+              <a:rPr lang="nb-NO" sz="1000" b="0" dirty="0" err="1">
                 <a:solidFill>
                   <a:schemeClr val="tx1"/>
                 </a:solidFill>
@@ -3382,7 +3375,7 @@
               <a:t>Intelligence</a:t>
             </a:r>
             <a:r>
-              <a:rPr lang="nb-NO" sz="1000" b="0" dirty="0" smtClean="0">
+              <a:rPr lang="nb-NO" sz="1000" b="0" dirty="0">
                 <a:solidFill>
                   <a:schemeClr val="tx1"/>
                 </a:solidFill>
@@ -3391,13 +3384,6 @@
               </a:rPr>
               <a:t> Service</a:t>
             </a:r>
-            <a:endParaRPr lang="nb-NO" sz="1000" b="0" dirty="0">
-              <a:solidFill>
-                <a:schemeClr val="tx1"/>
-              </a:solidFill>
-              <a:latin typeface="Arial Black" pitchFamily="34" charset="0"/>
-              <a:cs typeface="Arial" pitchFamily="34" charset="0"/>
-            </a:endParaRPr>
           </a:p>
         </p:txBody>
       </p:sp>
@@ -3425,7 +3411,7 @@
           <a:p>
             <a:pPr algn="ctr"/>
             <a:r>
-              <a:rPr lang="nb-NO" sz="700" b="1" dirty="0" smtClean="0">
+              <a:rPr lang="nb-NO" sz="700" b="1" dirty="0">
                 <a:solidFill>
                   <a:schemeClr val="bg1"/>
                 </a:solidFill>
@@ -3434,7 +3420,7 @@
               <a:t>Victoria</a:t>
             </a:r>
             <a:r>
-              <a:rPr lang="nb-NO" sz="700" b="1" baseline="0" dirty="0" smtClean="0">
+              <a:rPr lang="nb-NO" sz="700" b="1" baseline="0" dirty="0">
                 <a:solidFill>
                   <a:schemeClr val="bg1"/>
                 </a:solidFill>
@@ -3443,7 +3429,7 @@
               <a:t> Per </a:t>
             </a:r>
             <a:r>
-              <a:rPr lang="nb-NO" sz="700" b="1" baseline="0" dirty="0" err="1" smtClean="0">
+              <a:rPr lang="nb-NO" sz="700" b="1" baseline="0" dirty="0" err="1">
                 <a:solidFill>
                   <a:schemeClr val="bg1"/>
                 </a:solidFill>
@@ -3873,10 +3859,9 @@
           <a:lstStyle/>
           <a:p>
             <a:r>
-              <a:rPr lang="en-US" dirty="0" smtClean="0"/>
+              <a:rPr lang="en-US" dirty="0"/>
               <a:t>OPARTGT057 Chemical Weapon storage </a:t>
             </a:r>
-            <a:endParaRPr lang="en-US" dirty="0"/>
           </a:p>
         </p:txBody>
       </p:sp>
@@ -3923,10 +3908,9 @@
           <a:p>
             <a:pPr algn="ctr"/>
             <a:r>
-              <a:rPr lang="nb-NO" dirty="0" smtClean="0"/>
+              <a:rPr lang="nb-NO" dirty="0"/>
               <a:t>N</a:t>
             </a:r>
-            <a:endParaRPr lang="nb-NO" dirty="0"/>
           </a:p>
         </p:txBody>
       </p:sp>
@@ -4000,7 +3984,7 @@
           <a:p>
             <a:pPr algn="ctr"/>
             <a:r>
-              <a:rPr lang="en-GB" sz="1400" dirty="0" smtClean="0">
+              <a:rPr lang="en-GB" sz="1400" dirty="0">
                 <a:solidFill>
                   <a:srgbClr val="FF0000"/>
                 </a:solidFill>
@@ -4055,7 +4039,7 @@
             <a:p>
               <a:pPr algn="ctr"/>
               <a:r>
-                <a:rPr lang="en-GB" sz="1000" dirty="0" smtClean="0">
+                <a:rPr lang="en-GB" sz="1000" dirty="0">
                   <a:solidFill>
                     <a:srgbClr val="FF0000"/>
                   </a:solidFill>
@@ -4157,7 +4141,7 @@
             <a:p>
               <a:pPr algn="ctr"/>
               <a:r>
-                <a:rPr lang="en-GB" sz="1000" dirty="0" smtClean="0">
+                <a:rPr lang="en-GB" sz="1000" dirty="0">
                   <a:solidFill>
                     <a:srgbClr val="FF0000"/>
                   </a:solidFill>
@@ -4259,7 +4243,7 @@
             <a:p>
               <a:pPr algn="ctr"/>
               <a:r>
-                <a:rPr lang="en-GB" sz="1000" dirty="0" smtClean="0">
+                <a:rPr lang="en-GB" sz="1000" dirty="0">
                   <a:solidFill>
                     <a:srgbClr val="FF0000"/>
                   </a:solidFill>
@@ -4361,7 +4345,7 @@
             <a:p>
               <a:pPr algn="ctr"/>
               <a:r>
-                <a:rPr lang="en-US" sz="1000" dirty="0" smtClean="0">
+                <a:rPr lang="en-US" sz="1000" dirty="0">
                   <a:solidFill>
                     <a:srgbClr val="FF0000"/>
                   </a:solidFill>
@@ -4369,12 +4353,6 @@
                 </a:rPr>
                 <a:t>8</a:t>
               </a:r>
-              <a:endParaRPr lang="en-US" sz="1000" dirty="0">
-                <a:solidFill>
-                  <a:srgbClr val="FF0000"/>
-                </a:solidFill>
-                <a:latin typeface="Arial Black" pitchFamily="34" charset="0"/>
-              </a:endParaRPr>
             </a:p>
           </p:txBody>
         </p:sp>
@@ -4453,81 +4431,81 @@
           <a:lstStyle/>
           <a:p>
             <a:r>
-              <a:rPr lang="nb-NO" sz="1200" dirty="0" smtClean="0"/>
+              <a:rPr lang="nb-NO" sz="1200" dirty="0"/>
               <a:t>DESCRIPTION OF THE DESIRED POINTS OF IMPACT WITH WPN TYPE: </a:t>
             </a:r>
-            <a:endParaRPr lang="pl-PL" sz="1200" dirty="0" smtClean="0"/>
+            <a:endParaRPr lang="pl-PL" sz="1200" dirty="0"/>
           </a:p>
           <a:p>
             <a:pPr algn="ctr"/>
             <a:r>
-              <a:rPr lang="en-US" sz="1100" dirty="0" smtClean="0"/>
+              <a:rPr lang="en-US" sz="1100" dirty="0"/>
               <a:t>OPARTGT0</a:t>
             </a:r>
             <a:r>
-              <a:rPr lang="en-GB" sz="1100" dirty="0" smtClean="0"/>
+              <a:rPr lang="en-GB" sz="1100" dirty="0"/>
               <a:t>57</a:t>
             </a:r>
             <a:r>
-              <a:rPr lang="pl-PL" sz="1100" b="1" dirty="0" smtClean="0"/>
+              <a:rPr lang="pl-PL" sz="1100" b="1" dirty="0"/>
               <a:t>A</a:t>
             </a:r>
             <a:r>
-              <a:rPr lang="pl-PL" sz="1200" dirty="0" smtClean="0"/>
+              <a:rPr lang="pl-PL" sz="1200" dirty="0"/>
               <a:t>– </a:t>
             </a:r>
             <a:r>
-              <a:rPr lang="en-GB" sz="1200" dirty="0" smtClean="0"/>
+              <a:rPr lang="en-GB" sz="1200" dirty="0"/>
               <a:t>Storage Bunkers</a:t>
             </a:r>
-            <a:endParaRPr lang="pl-PL" sz="1200" dirty="0" smtClean="0"/>
-          </a:p>
-          <a:p>
-            <a:r>
-              <a:rPr lang="pl-PL" sz="1100" dirty="0" smtClean="0"/>
+            <a:endParaRPr lang="pl-PL" sz="1200" dirty="0"/>
+          </a:p>
+          <a:p>
+            <a:r>
+              <a:rPr lang="pl-PL" sz="1100" dirty="0"/>
               <a:t>DPI 1 </a:t>
             </a:r>
             <a:r>
-              <a:rPr lang="en-GB" sz="1100" dirty="0" smtClean="0"/>
+              <a:rPr lang="en-GB" sz="1100" dirty="0"/>
               <a:t>N33 40.455 E036 45.382/2723ft</a:t>
             </a:r>
             <a:r>
-              <a:rPr lang="pl-PL" sz="1100" dirty="0" smtClean="0"/>
+              <a:rPr lang="pl-PL" sz="1100" dirty="0"/>
               <a:t>/</a:t>
             </a:r>
             <a:r>
-              <a:rPr lang="nb-NO" sz="1100" dirty="0" smtClean="0"/>
+              <a:rPr lang="nb-NO" sz="1100" dirty="0"/>
               <a:t>(2000 Ibs bomb)</a:t>
             </a:r>
-            <a:endParaRPr lang="pl-PL" sz="1100" dirty="0" smtClean="0"/>
-          </a:p>
-          <a:p>
-            <a:r>
-              <a:rPr lang="pl-PL" sz="1100" dirty="0" smtClean="0"/>
+            <a:endParaRPr lang="pl-PL" sz="1100" dirty="0"/>
+          </a:p>
+          <a:p>
+            <a:r>
+              <a:rPr lang="pl-PL" sz="1100" dirty="0"/>
               <a:t>DPI 2 </a:t>
             </a:r>
             <a:r>
-              <a:rPr lang="en-GB" sz="1100" dirty="0" smtClean="0"/>
+              <a:rPr lang="en-GB" sz="1100" dirty="0"/>
               <a:t>N33 40.474 E036 45.398/2719ft</a:t>
             </a:r>
             <a:r>
-              <a:rPr lang="pl-PL" sz="1100" dirty="0" smtClean="0"/>
+              <a:rPr lang="pl-PL" sz="1100" dirty="0"/>
               <a:t>/</a:t>
             </a:r>
             <a:r>
-              <a:rPr lang="nb-NO" sz="1100" dirty="0" smtClean="0"/>
+              <a:rPr lang="nb-NO" sz="1100" dirty="0"/>
               <a:t>(2000 Ibs bomb)</a:t>
             </a:r>
           </a:p>
           <a:p>
             <a:r>
-              <a:rPr lang="nb-NO" sz="1100" dirty="0" smtClean="0"/>
+              <a:rPr lang="nb-NO" sz="1100" dirty="0"/>
               <a:t>DPI 3 N33 40.491 E036 45.413/2707ft/2000 lbs bomb)</a:t>
             </a:r>
-            <a:endParaRPr lang="pl-PL" sz="1100" dirty="0" smtClean="0"/>
-          </a:p>
-          <a:p>
-            <a:endParaRPr lang="pl-PL" sz="1100" dirty="0" smtClean="0"/>
+            <a:endParaRPr lang="pl-PL" sz="1100" dirty="0"/>
+          </a:p>
+          <a:p>
+            <a:endParaRPr lang="pl-PL" sz="1100" dirty="0"/>
           </a:p>
         </p:txBody>
       </p:sp>
@@ -4646,7 +4624,7 @@
           <a:p>
             <a:pPr algn="ctr"/>
             <a:r>
-              <a:rPr lang="en-GB" sz="1200" dirty="0" smtClean="0">
+              <a:rPr lang="en-GB" sz="1200" dirty="0">
                 <a:solidFill>
                   <a:sysClr val="windowText" lastClr="000000"/>
                 </a:solidFill>
@@ -4670,7 +4648,7 @@
         <p:spPr>
           <a:xfrm>
             <a:off x="107504" y="4515966"/>
-            <a:ext cx="5544616" cy="523220"/>
+            <a:ext cx="5544616" cy="415498"/>
           </a:xfrm>
           <a:prstGeom prst="rect">
             <a:avLst/>
@@ -4684,46 +4662,62 @@
           <a:p>
             <a:pPr algn="ctr"/>
             <a:r>
-              <a:rPr lang="en-US" sz="700" dirty="0" smtClean="0"/>
+              <a:rPr lang="en-US" sz="700" dirty="0"/>
               <a:t>OPARTGT0</a:t>
             </a:r>
             <a:r>
-              <a:rPr lang="en-GB" sz="700" dirty="0" smtClean="0"/>
+              <a:rPr lang="en-GB" sz="700" dirty="0"/>
               <a:t>57</a:t>
             </a:r>
             <a:r>
-              <a:rPr lang="pl-PL" sz="700" dirty="0" smtClean="0"/>
+              <a:rPr lang="pl-PL" sz="700" dirty="0"/>
               <a:t> – </a:t>
             </a:r>
             <a:r>
-              <a:rPr lang="en-GB" sz="700" dirty="0" smtClean="0"/>
+              <a:rPr lang="en-GB" sz="700" dirty="0"/>
               <a:t>Earth covered bunkers</a:t>
             </a:r>
             <a:r>
-              <a:rPr lang="pl-PL" sz="700" dirty="0" smtClean="0"/>
+              <a:rPr lang="pl-PL" sz="700" dirty="0"/>
               <a:t> made of concrete slab supported by reinforced concrete base and pillars, flat poured roof, requires delayed fuzing.</a:t>
             </a:r>
           </a:p>
           <a:p>
             <a:pPr algn="ctr"/>
             <a:r>
-              <a:rPr lang="pl-PL" sz="700" dirty="0" smtClean="0"/>
+              <a:rPr lang="pl-PL" sz="700" dirty="0"/>
               <a:t>Suggested fuzing solution on DPIs 1-</a:t>
             </a:r>
             <a:r>
-              <a:rPr lang="en-GB" sz="700" dirty="0" smtClean="0"/>
+              <a:rPr lang="en-GB" sz="700" dirty="0"/>
               <a:t>3</a:t>
             </a:r>
             <a:r>
-              <a:rPr lang="pl-PL" sz="700" dirty="0" smtClean="0"/>
-              <a:t> – contact to open up the roof followed by delayed to pierce through floors and affect building structure</a:t>
-            </a:r>
-            <a:r>
-              <a:rPr lang="en-GB" sz="700" dirty="0" smtClean="0"/>
+              <a:rPr lang="pl-PL" sz="700" dirty="0"/>
+              <a:t> –delayed </a:t>
+            </a:r>
+            <a:r>
+              <a:rPr lang="nb-NO" sz="700" dirty="0" err="1"/>
+              <a:t>fuzing</a:t>
+            </a:r>
+            <a:r>
+              <a:rPr lang="nb-NO" sz="700"/>
+              <a:t> </a:t>
+            </a:r>
+            <a:r>
+              <a:rPr lang="pl-PL" sz="700"/>
+              <a:t>to </a:t>
+            </a:r>
+            <a:r>
+              <a:rPr lang="pl-PL" sz="700" dirty="0"/>
+              <a:t>pierce through floors and affect building structure</a:t>
+            </a:r>
+            <a:r>
+              <a:rPr lang="en-GB" sz="700" dirty="0"/>
               <a:t> and contents</a:t>
             </a:r>
             <a:r>
-              <a:rPr lang="pl-PL" sz="700" dirty="0" smtClean="0"/>
+              <a:rPr lang="pl-PL" sz="700" dirty="0"/>
               <a:t>. </a:t>
             </a:r>
           </a:p>
@@ -4734,13 +4728,6 @@
   <p:clrMapOvr>
     <a:masterClrMapping/>
   </p:clrMapOvr>
-  <p:timing>
-    <p:tnLst>
-      <p:par>
-        <p:cTn id="1" dur="indefinite" restart="never" nodeType="tmRoot"/>
-      </p:par>
-    </p:tnLst>
-  </p:timing>
 </p:sld>
 </file>
 
